--- a/Макет  КИ 2021 23.04.21.pptx
+++ b/Макет  КИ 2021 23.04.21.pptx
@@ -5,7 +5,7 @@
     <p:sldMasterId id="2147483660" r:id="rId1"/>
   </p:sldMasterIdLst>
   <p:notesMasterIdLst>
-    <p:notesMasterId r:id="rId15"/>
+    <p:notesMasterId r:id="rId14"/>
   </p:notesMasterIdLst>
   <p:sldIdLst>
     <p:sldId id="280" r:id="rId2"/>
@@ -14,13 +14,12 @@
     <p:sldId id="299" r:id="rId5"/>
     <p:sldId id="300" r:id="rId6"/>
     <p:sldId id="287" r:id="rId7"/>
-    <p:sldId id="301" r:id="rId8"/>
-    <p:sldId id="307" r:id="rId9"/>
-    <p:sldId id="302" r:id="rId10"/>
-    <p:sldId id="306" r:id="rId11"/>
-    <p:sldId id="303" r:id="rId12"/>
-    <p:sldId id="289" r:id="rId13"/>
-    <p:sldId id="308" r:id="rId14"/>
+    <p:sldId id="307" r:id="rId8"/>
+    <p:sldId id="302" r:id="rId9"/>
+    <p:sldId id="306" r:id="rId10"/>
+    <p:sldId id="303" r:id="rId11"/>
+    <p:sldId id="289" r:id="rId12"/>
+    <p:sldId id="308" r:id="rId13"/>
   </p:sldIdLst>
   <p:sldSz cx="9144000" cy="5143500" type="screen16x9"/>
   <p:notesSz cx="6858000" cy="9144000"/>
@@ -279,7 +278,6 @@
           </a:p>
         </c:rich>
       </c:tx>
-      <c:layout/>
       <c:overlay val="0"/>
       <c:spPr>
         <a:noFill/>
@@ -602,535 +600,6 @@
     </c:plotArea>
     <c:legend>
       <c:legendPos val="b"/>
-      <c:layout/>
-      <c:overlay val="0"/>
-      <c:spPr>
-        <a:noFill/>
-        <a:ln>
-          <a:noFill/>
-        </a:ln>
-        <a:effectLst/>
-      </c:spPr>
-      <c:txPr>
-        <a:bodyPr rot="0" spcFirstLastPara="1" vertOverflow="ellipsis" vert="horz" wrap="square" anchor="ctr" anchorCtr="1"/>
-        <a:lstStyle/>
-        <a:p>
-          <a:pPr>
-            <a:defRPr sz="800" b="0" i="0" u="none" strike="noStrike" kern="1200" baseline="0">
-              <a:solidFill>
-                <a:schemeClr val="tx1">
-                  <a:lumMod val="65000"/>
-                  <a:lumOff val="35000"/>
-                </a:schemeClr>
-              </a:solidFill>
-              <a:latin typeface="+mn-lt"/>
-              <a:ea typeface="+mn-ea"/>
-              <a:cs typeface="+mn-cs"/>
-            </a:defRPr>
-          </a:pPr>
-          <a:endParaRPr lang="ru-RU"/>
-        </a:p>
-      </c:txPr>
-    </c:legend>
-    <c:plotVisOnly val="1"/>
-    <c:dispBlanksAs val="gap"/>
-    <c:showDLblsOverMax val="0"/>
-  </c:chart>
-  <c:spPr>
-    <a:noFill/>
-    <a:ln>
-      <a:noFill/>
-    </a:ln>
-    <a:effectLst/>
-  </c:spPr>
-  <c:txPr>
-    <a:bodyPr/>
-    <a:lstStyle/>
-    <a:p>
-      <a:pPr>
-        <a:defRPr/>
-      </a:pPr>
-      <a:endParaRPr lang="ru-RU"/>
-    </a:p>
-  </c:txPr>
-  <c:externalData r:id="rId3">
-    <c:autoUpdate val="0"/>
-  </c:externalData>
-</c:chartSpace>
-</file>
-
-<file path=ppt/charts/chart2.xml><?xml version="1.0" encoding="utf-8"?>
-<c:chartSpace xmlns:c="http://schemas.openxmlformats.org/drawingml/2006/chart" xmlns:a="http://schemas.openxmlformats.org/drawingml/2006/main" xmlns:r="http://schemas.openxmlformats.org/officeDocument/2006/relationships" xmlns:c16r2="http://schemas.microsoft.com/office/drawing/2015/06/chart">
-  <c:date1904 val="0"/>
-  <c:lang val="ru-RU"/>
-  <c:roundedCorners val="0"/>
-  <mc:AlternateContent xmlns:mc="http://schemas.openxmlformats.org/markup-compatibility/2006">
-    <mc:Choice xmlns:c14="http://schemas.microsoft.com/office/drawing/2007/8/2/chart" Requires="c14">
-      <c14:style val="102"/>
-    </mc:Choice>
-    <mc:Fallback>
-      <c:style val="2"/>
-    </mc:Fallback>
-  </mc:AlternateContent>
-  <c:chart>
-    <c:title>
-      <c:tx>
-        <c:rich>
-          <a:bodyPr rot="0" spcFirstLastPara="1" vertOverflow="ellipsis" vert="horz" wrap="square" anchor="ctr" anchorCtr="1"/>
-          <a:lstStyle/>
-          <a:p>
-            <a:pPr>
-              <a:defRPr sz="1862" b="0" i="0" u="none" strike="noStrike" kern="1200" spc="0" baseline="0">
-                <a:solidFill>
-                  <a:schemeClr val="tx1">
-                    <a:lumMod val="65000"/>
-                    <a:lumOff val="35000"/>
-                  </a:schemeClr>
-                </a:solidFill>
-                <a:latin typeface="+mn-lt"/>
-                <a:ea typeface="+mn-ea"/>
-                <a:cs typeface="+mn-cs"/>
-              </a:defRPr>
-            </a:pPr>
-            <a:r>
-              <a:rPr lang="ru-RU" sz="700" baseline="0" dirty="0" smtClean="0"/>
-              <a:t>Объем мирового рынка </a:t>
-            </a:r>
-            <a:r>
-              <a:rPr lang="en-US" sz="700" baseline="0" dirty="0" smtClean="0"/>
-              <a:t>VR </a:t>
-            </a:r>
-            <a:r>
-              <a:rPr lang="ru-RU" sz="700" baseline="0" dirty="0" smtClean="0"/>
-              <a:t>(</a:t>
-            </a:r>
-            <a:r>
-              <a:rPr lang="en-US" sz="700" baseline="0" dirty="0" smtClean="0"/>
-              <a:t>$ </a:t>
-            </a:r>
-            <a:r>
-              <a:rPr lang="ru-RU" sz="700" baseline="0" dirty="0" smtClean="0"/>
-              <a:t>млн)</a:t>
-            </a:r>
-          </a:p>
-          <a:p>
-            <a:pPr>
-              <a:defRPr/>
-            </a:pPr>
-            <a:r>
-              <a:rPr lang="ru-RU" sz="700" baseline="0" dirty="0" smtClean="0"/>
-              <a:t>Источник: Всемирный обзор индустрии медиа и развлечений </a:t>
-            </a:r>
-            <a:r>
-              <a:rPr lang="en-US" sz="700" baseline="0" dirty="0" smtClean="0"/>
-              <a:t>PWC</a:t>
-            </a:r>
-            <a:endParaRPr lang="ru-RU" sz="700" baseline="0" dirty="0" smtClean="0"/>
-          </a:p>
-        </c:rich>
-      </c:tx>
-      <c:layout/>
-      <c:overlay val="0"/>
-      <c:spPr>
-        <a:noFill/>
-        <a:ln>
-          <a:noFill/>
-        </a:ln>
-        <a:effectLst/>
-      </c:spPr>
-      <c:txPr>
-        <a:bodyPr rot="0" spcFirstLastPara="1" vertOverflow="ellipsis" vert="horz" wrap="square" anchor="ctr" anchorCtr="1"/>
-        <a:lstStyle/>
-        <a:p>
-          <a:pPr>
-            <a:defRPr sz="1862" b="0" i="0" u="none" strike="noStrike" kern="1200" spc="0" baseline="0">
-              <a:solidFill>
-                <a:schemeClr val="tx1">
-                  <a:lumMod val="65000"/>
-                  <a:lumOff val="35000"/>
-                </a:schemeClr>
-              </a:solidFill>
-              <a:latin typeface="+mn-lt"/>
-              <a:ea typeface="+mn-ea"/>
-              <a:cs typeface="+mn-cs"/>
-            </a:defRPr>
-          </a:pPr>
-          <a:endParaRPr lang="ru-RU"/>
-        </a:p>
-      </c:txPr>
-    </c:title>
-    <c:autoTitleDeleted val="0"/>
-    <c:plotArea>
-      <c:layout/>
-      <c:barChart>
-        <c:barDir val="col"/>
-        <c:grouping val="stacked"/>
-        <c:varyColors val="0"/>
-        <c:ser>
-          <c:idx val="0"/>
-          <c:order val="0"/>
-          <c:tx>
-            <c:strRef>
-              <c:f>Лист1!$B$1</c:f>
-              <c:strCache>
-                <c:ptCount val="1"/>
-                <c:pt idx="0">
-                  <c:v>Видеоигры</c:v>
-                </c:pt>
-              </c:strCache>
-            </c:strRef>
-          </c:tx>
-          <c:spPr>
-            <a:solidFill>
-              <a:schemeClr val="accent1"/>
-            </a:solidFill>
-            <a:ln>
-              <a:noFill/>
-            </a:ln>
-            <a:effectLst/>
-          </c:spPr>
-          <c:invertIfNegative val="0"/>
-          <c:cat>
-            <c:numRef>
-              <c:f>Лист1!$A$5:$A$9</c:f>
-              <c:numCache>
-                <c:formatCode>General</c:formatCode>
-                <c:ptCount val="5"/>
-                <c:pt idx="0">
-                  <c:v>2019</c:v>
-                </c:pt>
-                <c:pt idx="1">
-                  <c:v>2020</c:v>
-                </c:pt>
-                <c:pt idx="2">
-                  <c:v>2021</c:v>
-                </c:pt>
-                <c:pt idx="3">
-                  <c:v>2022</c:v>
-                </c:pt>
-                <c:pt idx="4">
-                  <c:v>2023</c:v>
-                </c:pt>
-              </c:numCache>
-            </c:numRef>
-          </c:cat>
-          <c:val>
-            <c:numRef>
-              <c:f>Лист1!$B$5:$B$9</c:f>
-              <c:numCache>
-                <c:formatCode>General</c:formatCode>
-                <c:ptCount val="5"/>
-                <c:pt idx="0">
-                  <c:v>1489</c:v>
-                </c:pt>
-                <c:pt idx="1">
-                  <c:v>1794</c:v>
-                </c:pt>
-                <c:pt idx="2">
-                  <c:v>2143</c:v>
-                </c:pt>
-                <c:pt idx="3">
-                  <c:v>2522</c:v>
-                </c:pt>
-                <c:pt idx="4">
-                  <c:v>3061</c:v>
-                </c:pt>
-              </c:numCache>
-            </c:numRef>
-          </c:val>
-          <c:extLst>
-            <c:ext xmlns:c16="http://schemas.microsoft.com/office/drawing/2014/chart" uri="{C3380CC4-5D6E-409C-BE32-E72D297353CC}">
-              <c16:uniqueId val="{00000000-413E-453B-B7F0-D90ACEA3D6F4}"/>
-            </c:ext>
-          </c:extLst>
-        </c:ser>
-        <c:ser>
-          <c:idx val="1"/>
-          <c:order val="1"/>
-          <c:tx>
-            <c:strRef>
-              <c:f>Лист1!$C$1</c:f>
-              <c:strCache>
-                <c:ptCount val="1"/>
-                <c:pt idx="0">
-                  <c:v>Видеоконтект</c:v>
-                </c:pt>
-              </c:strCache>
-            </c:strRef>
-          </c:tx>
-          <c:spPr>
-            <a:solidFill>
-              <a:schemeClr val="accent2"/>
-            </a:solidFill>
-            <a:ln>
-              <a:noFill/>
-            </a:ln>
-            <a:effectLst/>
-          </c:spPr>
-          <c:invertIfNegative val="0"/>
-          <c:cat>
-            <c:numRef>
-              <c:f>Лист1!$A$5:$A$9</c:f>
-              <c:numCache>
-                <c:formatCode>General</c:formatCode>
-                <c:ptCount val="5"/>
-                <c:pt idx="0">
-                  <c:v>2019</c:v>
-                </c:pt>
-                <c:pt idx="1">
-                  <c:v>2020</c:v>
-                </c:pt>
-                <c:pt idx="2">
-                  <c:v>2021</c:v>
-                </c:pt>
-                <c:pt idx="3">
-                  <c:v>2022</c:v>
-                </c:pt>
-                <c:pt idx="4">
-                  <c:v>2023</c:v>
-                </c:pt>
-              </c:numCache>
-            </c:numRef>
-          </c:cat>
-          <c:val>
-            <c:numRef>
-              <c:f>Лист1!$C$5:$C$9</c:f>
-              <c:numCache>
-                <c:formatCode>General</c:formatCode>
-                <c:ptCount val="5"/>
-                <c:pt idx="0">
-                  <c:v>1218</c:v>
-                </c:pt>
-                <c:pt idx="1">
-                  <c:v>1563</c:v>
-                </c:pt>
-                <c:pt idx="2">
-                  <c:v>1877</c:v>
-                </c:pt>
-                <c:pt idx="3">
-                  <c:v>2232</c:v>
-                </c:pt>
-                <c:pt idx="4">
-                  <c:v>2751</c:v>
-                </c:pt>
-              </c:numCache>
-            </c:numRef>
-          </c:val>
-          <c:extLst>
-            <c:ext xmlns:c16="http://schemas.microsoft.com/office/drawing/2014/chart" uri="{C3380CC4-5D6E-409C-BE32-E72D297353CC}">
-              <c16:uniqueId val="{00000001-413E-453B-B7F0-D90ACEA3D6F4}"/>
-            </c:ext>
-          </c:extLst>
-        </c:ser>
-        <c:ser>
-          <c:idx val="2"/>
-          <c:order val="2"/>
-          <c:tx>
-            <c:strRef>
-              <c:f>Лист1!$D$1</c:f>
-              <c:strCache>
-                <c:ptCount val="1"/>
-                <c:pt idx="0">
-                  <c:v>Приложения</c:v>
-                </c:pt>
-              </c:strCache>
-            </c:strRef>
-          </c:tx>
-          <c:spPr>
-            <a:solidFill>
-              <a:schemeClr val="accent3"/>
-            </a:solidFill>
-            <a:ln>
-              <a:noFill/>
-            </a:ln>
-            <a:effectLst/>
-          </c:spPr>
-          <c:invertIfNegative val="0"/>
-          <c:cat>
-            <c:numRef>
-              <c:f>Лист1!$A$5:$A$9</c:f>
-              <c:numCache>
-                <c:formatCode>General</c:formatCode>
-                <c:ptCount val="5"/>
-                <c:pt idx="0">
-                  <c:v>2019</c:v>
-                </c:pt>
-                <c:pt idx="1">
-                  <c:v>2020</c:v>
-                </c:pt>
-                <c:pt idx="2">
-                  <c:v>2021</c:v>
-                </c:pt>
-                <c:pt idx="3">
-                  <c:v>2022</c:v>
-                </c:pt>
-                <c:pt idx="4">
-                  <c:v>2023</c:v>
-                </c:pt>
-              </c:numCache>
-            </c:numRef>
-          </c:cat>
-          <c:val>
-            <c:numRef>
-              <c:f>Лист1!$D$5:$D$9</c:f>
-              <c:numCache>
-                <c:formatCode>General</c:formatCode>
-                <c:ptCount val="5"/>
-                <c:pt idx="0">
-                  <c:v>200</c:v>
-                </c:pt>
-                <c:pt idx="1">
-                  <c:v>228</c:v>
-                </c:pt>
-                <c:pt idx="2">
-                  <c:v>249</c:v>
-                </c:pt>
-                <c:pt idx="3">
-                  <c:v>264</c:v>
-                </c:pt>
-                <c:pt idx="4">
-                  <c:v>297</c:v>
-                </c:pt>
-              </c:numCache>
-            </c:numRef>
-          </c:val>
-          <c:extLst>
-            <c:ext xmlns:c16="http://schemas.microsoft.com/office/drawing/2014/chart" uri="{C3380CC4-5D6E-409C-BE32-E72D297353CC}">
-              <c16:uniqueId val="{00000002-413E-453B-B7F0-D90ACEA3D6F4}"/>
-            </c:ext>
-          </c:extLst>
-        </c:ser>
-        <c:dLbls>
-          <c:showLegendKey val="0"/>
-          <c:showVal val="0"/>
-          <c:showCatName val="0"/>
-          <c:showSerName val="0"/>
-          <c:showPercent val="0"/>
-          <c:showBubbleSize val="0"/>
-        </c:dLbls>
-        <c:gapWidth val="219"/>
-        <c:overlap val="100"/>
-        <c:axId val="536412896"/>
-        <c:axId val="536413224"/>
-      </c:barChart>
-      <c:catAx>
-        <c:axId val="536412896"/>
-        <c:scaling>
-          <c:orientation val="minMax"/>
-        </c:scaling>
-        <c:delete val="0"/>
-        <c:axPos val="b"/>
-        <c:numFmt formatCode="General" sourceLinked="1"/>
-        <c:majorTickMark val="none"/>
-        <c:minorTickMark val="none"/>
-        <c:tickLblPos val="nextTo"/>
-        <c:spPr>
-          <a:noFill/>
-          <a:ln w="9525" cap="flat" cmpd="sng" algn="ctr">
-            <a:solidFill>
-              <a:schemeClr val="tx1">
-                <a:lumMod val="15000"/>
-                <a:lumOff val="85000"/>
-              </a:schemeClr>
-            </a:solidFill>
-            <a:round/>
-          </a:ln>
-          <a:effectLst/>
-        </c:spPr>
-        <c:txPr>
-          <a:bodyPr rot="-60000000" spcFirstLastPara="1" vertOverflow="ellipsis" vert="horz" wrap="square" anchor="ctr" anchorCtr="1"/>
-          <a:lstStyle/>
-          <a:p>
-            <a:pPr>
-              <a:defRPr sz="800" b="0" i="0" u="none" strike="noStrike" kern="1200" baseline="0">
-                <a:solidFill>
-                  <a:schemeClr val="tx1">
-                    <a:lumMod val="65000"/>
-                    <a:lumOff val="35000"/>
-                  </a:schemeClr>
-                </a:solidFill>
-                <a:latin typeface="+mn-lt"/>
-                <a:ea typeface="+mn-ea"/>
-                <a:cs typeface="+mn-cs"/>
-              </a:defRPr>
-            </a:pPr>
-            <a:endParaRPr lang="ru-RU"/>
-          </a:p>
-        </c:txPr>
-        <c:crossAx val="536413224"/>
-        <c:crosses val="autoZero"/>
-        <c:auto val="1"/>
-        <c:lblAlgn val="ctr"/>
-        <c:lblOffset val="100"/>
-        <c:noMultiLvlLbl val="0"/>
-      </c:catAx>
-      <c:valAx>
-        <c:axId val="536413224"/>
-        <c:scaling>
-          <c:orientation val="minMax"/>
-        </c:scaling>
-        <c:delete val="0"/>
-        <c:axPos val="l"/>
-        <c:majorGridlines>
-          <c:spPr>
-            <a:ln w="9525" cap="flat" cmpd="sng" algn="ctr">
-              <a:solidFill>
-                <a:schemeClr val="tx1">
-                  <a:lumMod val="15000"/>
-                  <a:lumOff val="85000"/>
-                </a:schemeClr>
-              </a:solidFill>
-              <a:round/>
-            </a:ln>
-            <a:effectLst/>
-          </c:spPr>
-        </c:majorGridlines>
-        <c:numFmt formatCode="General" sourceLinked="1"/>
-        <c:majorTickMark val="none"/>
-        <c:minorTickMark val="none"/>
-        <c:tickLblPos val="nextTo"/>
-        <c:spPr>
-          <a:noFill/>
-          <a:ln>
-            <a:noFill/>
-          </a:ln>
-          <a:effectLst/>
-        </c:spPr>
-        <c:txPr>
-          <a:bodyPr rot="-60000000" spcFirstLastPara="1" vertOverflow="ellipsis" vert="horz" wrap="square" anchor="ctr" anchorCtr="1"/>
-          <a:lstStyle/>
-          <a:p>
-            <a:pPr>
-              <a:defRPr sz="800" b="0" i="0" u="none" strike="noStrike" kern="1200" baseline="0">
-                <a:solidFill>
-                  <a:schemeClr val="tx1">
-                    <a:lumMod val="65000"/>
-                    <a:lumOff val="35000"/>
-                  </a:schemeClr>
-                </a:solidFill>
-                <a:latin typeface="+mn-lt"/>
-                <a:ea typeface="+mn-ea"/>
-                <a:cs typeface="+mn-cs"/>
-              </a:defRPr>
-            </a:pPr>
-            <a:endParaRPr lang="ru-RU"/>
-          </a:p>
-        </c:txPr>
-        <c:crossAx val="536412896"/>
-        <c:crosses val="autoZero"/>
-        <c:crossBetween val="between"/>
-      </c:valAx>
-      <c:spPr>
-        <a:noFill/>
-        <a:ln>
-          <a:noFill/>
-        </a:ln>
-        <a:effectLst/>
-      </c:spPr>
-    </c:plotArea>
-    <c:legend>
-      <c:legendPos val="b"/>
-      <c:layout/>
       <c:overlay val="0"/>
       <c:spPr>
         <a:noFill/>
@@ -1227,550 +696,7 @@
 </cs:colorStyle>
 </file>
 
-<file path=ppt/charts/colors2.xml><?xml version="1.0" encoding="utf-8"?>
-<cs:colorStyle xmlns:cs="http://schemas.microsoft.com/office/drawing/2012/chartStyle" xmlns:a="http://schemas.openxmlformats.org/drawingml/2006/main" meth="cycle" id="10">
-  <a:schemeClr val="accent1"/>
-  <a:schemeClr val="accent2"/>
-  <a:schemeClr val="accent3"/>
-  <a:schemeClr val="accent4"/>
-  <a:schemeClr val="accent5"/>
-  <a:schemeClr val="accent6"/>
-  <cs:variation/>
-  <cs:variation>
-    <a:lumMod val="60000"/>
-  </cs:variation>
-  <cs:variation>
-    <a:lumMod val="80000"/>
-    <a:lumOff val="20000"/>
-  </cs:variation>
-  <cs:variation>
-    <a:lumMod val="80000"/>
-  </cs:variation>
-  <cs:variation>
-    <a:lumMod val="60000"/>
-    <a:lumOff val="40000"/>
-  </cs:variation>
-  <cs:variation>
-    <a:lumMod val="50000"/>
-  </cs:variation>
-  <cs:variation>
-    <a:lumMod val="70000"/>
-    <a:lumOff val="30000"/>
-  </cs:variation>
-  <cs:variation>
-    <a:lumMod val="70000"/>
-  </cs:variation>
-  <cs:variation>
-    <a:lumMod val="50000"/>
-    <a:lumOff val="50000"/>
-  </cs:variation>
-</cs:colorStyle>
-</file>
-
 <file path=ppt/charts/style1.xml><?xml version="1.0" encoding="utf-8"?>
-<cs:chartStyle xmlns:cs="http://schemas.microsoft.com/office/drawing/2012/chartStyle" xmlns:a="http://schemas.openxmlformats.org/drawingml/2006/main" id="201">
-  <cs:axisTitle>
-    <cs:lnRef idx="0"/>
-    <cs:fillRef idx="0"/>
-    <cs:effectRef idx="0"/>
-    <cs:fontRef idx="minor">
-      <a:schemeClr val="tx1">
-        <a:lumMod val="65000"/>
-        <a:lumOff val="35000"/>
-      </a:schemeClr>
-    </cs:fontRef>
-    <cs:defRPr sz="1330" kern="1200"/>
-  </cs:axisTitle>
-  <cs:categoryAxis>
-    <cs:lnRef idx="0"/>
-    <cs:fillRef idx="0"/>
-    <cs:effectRef idx="0"/>
-    <cs:fontRef idx="minor">
-      <a:schemeClr val="tx1">
-        <a:lumMod val="65000"/>
-        <a:lumOff val="35000"/>
-      </a:schemeClr>
-    </cs:fontRef>
-    <cs:spPr>
-      <a:ln w="9525" cap="flat" cmpd="sng" algn="ctr">
-        <a:solidFill>
-          <a:schemeClr val="tx1">
-            <a:lumMod val="15000"/>
-            <a:lumOff val="85000"/>
-          </a:schemeClr>
-        </a:solidFill>
-        <a:round/>
-      </a:ln>
-    </cs:spPr>
-    <cs:defRPr sz="1197" kern="1200"/>
-  </cs:categoryAxis>
-  <cs:chartArea mods="allowNoFillOverride allowNoLineOverride">
-    <cs:lnRef idx="0"/>
-    <cs:fillRef idx="0"/>
-    <cs:effectRef idx="0"/>
-    <cs:fontRef idx="minor">
-      <a:schemeClr val="tx1"/>
-    </cs:fontRef>
-    <cs:spPr>
-      <a:solidFill>
-        <a:schemeClr val="bg1"/>
-      </a:solidFill>
-      <a:ln w="9525" cap="flat" cmpd="sng" algn="ctr">
-        <a:solidFill>
-          <a:schemeClr val="tx1">
-            <a:lumMod val="15000"/>
-            <a:lumOff val="85000"/>
-          </a:schemeClr>
-        </a:solidFill>
-        <a:round/>
-      </a:ln>
-    </cs:spPr>
-    <cs:defRPr sz="1330" kern="1200"/>
-  </cs:chartArea>
-  <cs:dataLabel>
-    <cs:lnRef idx="0"/>
-    <cs:fillRef idx="0"/>
-    <cs:effectRef idx="0"/>
-    <cs:fontRef idx="minor">
-      <a:schemeClr val="tx1">
-        <a:lumMod val="75000"/>
-        <a:lumOff val="25000"/>
-      </a:schemeClr>
-    </cs:fontRef>
-    <cs:defRPr sz="1197" kern="1200"/>
-  </cs:dataLabel>
-  <cs:dataLabelCallout>
-    <cs:lnRef idx="0"/>
-    <cs:fillRef idx="0"/>
-    <cs:effectRef idx="0"/>
-    <cs:fontRef idx="minor">
-      <a:schemeClr val="dk1">
-        <a:lumMod val="65000"/>
-        <a:lumOff val="35000"/>
-      </a:schemeClr>
-    </cs:fontRef>
-    <cs:spPr>
-      <a:solidFill>
-        <a:schemeClr val="lt1"/>
-      </a:solidFill>
-      <a:ln>
-        <a:solidFill>
-          <a:schemeClr val="dk1">
-            <a:lumMod val="25000"/>
-            <a:lumOff val="75000"/>
-          </a:schemeClr>
-        </a:solidFill>
-      </a:ln>
-    </cs:spPr>
-    <cs:defRPr sz="1197" kern="1200"/>
-    <cs:bodyPr rot="0" spcFirstLastPara="1" vertOverflow="clip" horzOverflow="clip" vert="horz" wrap="square" lIns="36576" tIns="18288" rIns="36576" bIns="18288" anchor="ctr" anchorCtr="1">
-      <a:spAutoFit/>
-    </cs:bodyPr>
-  </cs:dataLabelCallout>
-  <cs:dataPoint>
-    <cs:lnRef idx="0"/>
-    <cs:fillRef idx="1">
-      <cs:styleClr val="auto"/>
-    </cs:fillRef>
-    <cs:effectRef idx="0"/>
-    <cs:fontRef idx="minor">
-      <a:schemeClr val="tx1"/>
-    </cs:fontRef>
-  </cs:dataPoint>
-  <cs:dataPoint3D>
-    <cs:lnRef idx="0"/>
-    <cs:fillRef idx="1">
-      <cs:styleClr val="auto"/>
-    </cs:fillRef>
-    <cs:effectRef idx="0"/>
-    <cs:fontRef idx="minor">
-      <a:schemeClr val="tx1"/>
-    </cs:fontRef>
-  </cs:dataPoint3D>
-  <cs:dataPointLine>
-    <cs:lnRef idx="0">
-      <cs:styleClr val="auto"/>
-    </cs:lnRef>
-    <cs:fillRef idx="1"/>
-    <cs:effectRef idx="0"/>
-    <cs:fontRef idx="minor">
-      <a:schemeClr val="tx1"/>
-    </cs:fontRef>
-    <cs:spPr>
-      <a:ln w="28575" cap="rnd">
-        <a:solidFill>
-          <a:schemeClr val="phClr"/>
-        </a:solidFill>
-        <a:round/>
-      </a:ln>
-    </cs:spPr>
-  </cs:dataPointLine>
-  <cs:dataPointMarker>
-    <cs:lnRef idx="0">
-      <cs:styleClr val="auto"/>
-    </cs:lnRef>
-    <cs:fillRef idx="1">
-      <cs:styleClr val="auto"/>
-    </cs:fillRef>
-    <cs:effectRef idx="0"/>
-    <cs:fontRef idx="minor">
-      <a:schemeClr val="tx1"/>
-    </cs:fontRef>
-    <cs:spPr>
-      <a:ln w="9525">
-        <a:solidFill>
-          <a:schemeClr val="phClr"/>
-        </a:solidFill>
-      </a:ln>
-    </cs:spPr>
-  </cs:dataPointMarker>
-  <cs:dataPointMarkerLayout symbol="circle" size="5"/>
-  <cs:dataPointWireframe>
-    <cs:lnRef idx="0">
-      <cs:styleClr val="auto"/>
-    </cs:lnRef>
-    <cs:fillRef idx="1"/>
-    <cs:effectRef idx="0"/>
-    <cs:fontRef idx="minor">
-      <a:schemeClr val="tx1"/>
-    </cs:fontRef>
-    <cs:spPr>
-      <a:ln w="9525" cap="rnd">
-        <a:solidFill>
-          <a:schemeClr val="phClr"/>
-        </a:solidFill>
-        <a:round/>
-      </a:ln>
-    </cs:spPr>
-  </cs:dataPointWireframe>
-  <cs:dataTable>
-    <cs:lnRef idx="0"/>
-    <cs:fillRef idx="0"/>
-    <cs:effectRef idx="0"/>
-    <cs:fontRef idx="minor">
-      <a:schemeClr val="tx1">
-        <a:lumMod val="65000"/>
-        <a:lumOff val="35000"/>
-      </a:schemeClr>
-    </cs:fontRef>
-    <cs:spPr>
-      <a:noFill/>
-      <a:ln w="9525" cap="flat" cmpd="sng" algn="ctr">
-        <a:solidFill>
-          <a:schemeClr val="tx1">
-            <a:lumMod val="15000"/>
-            <a:lumOff val="85000"/>
-          </a:schemeClr>
-        </a:solidFill>
-        <a:round/>
-      </a:ln>
-    </cs:spPr>
-    <cs:defRPr sz="1197" kern="1200"/>
-  </cs:dataTable>
-  <cs:downBar>
-    <cs:lnRef idx="0"/>
-    <cs:fillRef idx="0"/>
-    <cs:effectRef idx="0"/>
-    <cs:fontRef idx="minor">
-      <a:schemeClr val="dk1"/>
-    </cs:fontRef>
-    <cs:spPr>
-      <a:solidFill>
-        <a:schemeClr val="dk1">
-          <a:lumMod val="65000"/>
-          <a:lumOff val="35000"/>
-        </a:schemeClr>
-      </a:solidFill>
-      <a:ln w="9525">
-        <a:solidFill>
-          <a:schemeClr val="tx1">
-            <a:lumMod val="65000"/>
-            <a:lumOff val="35000"/>
-          </a:schemeClr>
-        </a:solidFill>
-      </a:ln>
-    </cs:spPr>
-  </cs:downBar>
-  <cs:dropLine>
-    <cs:lnRef idx="0"/>
-    <cs:fillRef idx="0"/>
-    <cs:effectRef idx="0"/>
-    <cs:fontRef idx="minor">
-      <a:schemeClr val="tx1"/>
-    </cs:fontRef>
-    <cs:spPr>
-      <a:ln w="9525" cap="flat" cmpd="sng" algn="ctr">
-        <a:solidFill>
-          <a:schemeClr val="tx1">
-            <a:lumMod val="35000"/>
-            <a:lumOff val="65000"/>
-          </a:schemeClr>
-        </a:solidFill>
-        <a:round/>
-      </a:ln>
-    </cs:spPr>
-  </cs:dropLine>
-  <cs:errorBar>
-    <cs:lnRef idx="0"/>
-    <cs:fillRef idx="0"/>
-    <cs:effectRef idx="0"/>
-    <cs:fontRef idx="minor">
-      <a:schemeClr val="tx1"/>
-    </cs:fontRef>
-    <cs:spPr>
-      <a:ln w="9525" cap="flat" cmpd="sng" algn="ctr">
-        <a:solidFill>
-          <a:schemeClr val="tx1">
-            <a:lumMod val="65000"/>
-            <a:lumOff val="35000"/>
-          </a:schemeClr>
-        </a:solidFill>
-        <a:round/>
-      </a:ln>
-    </cs:spPr>
-  </cs:errorBar>
-  <cs:floor>
-    <cs:lnRef idx="0"/>
-    <cs:fillRef idx="0"/>
-    <cs:effectRef idx="0"/>
-    <cs:fontRef idx="minor">
-      <a:schemeClr val="tx1"/>
-    </cs:fontRef>
-    <cs:spPr>
-      <a:noFill/>
-      <a:ln>
-        <a:noFill/>
-      </a:ln>
-    </cs:spPr>
-  </cs:floor>
-  <cs:gridlineMajor>
-    <cs:lnRef idx="0"/>
-    <cs:fillRef idx="0"/>
-    <cs:effectRef idx="0"/>
-    <cs:fontRef idx="minor">
-      <a:schemeClr val="tx1"/>
-    </cs:fontRef>
-    <cs:spPr>
-      <a:ln w="9525" cap="flat" cmpd="sng" algn="ctr">
-        <a:solidFill>
-          <a:schemeClr val="tx1">
-            <a:lumMod val="15000"/>
-            <a:lumOff val="85000"/>
-          </a:schemeClr>
-        </a:solidFill>
-        <a:round/>
-      </a:ln>
-    </cs:spPr>
-  </cs:gridlineMajor>
-  <cs:gridlineMinor>
-    <cs:lnRef idx="0"/>
-    <cs:fillRef idx="0"/>
-    <cs:effectRef idx="0"/>
-    <cs:fontRef idx="minor">
-      <a:schemeClr val="tx1"/>
-    </cs:fontRef>
-    <cs:spPr>
-      <a:ln w="9525" cap="flat" cmpd="sng" algn="ctr">
-        <a:solidFill>
-          <a:schemeClr val="tx1">
-            <a:lumMod val="5000"/>
-            <a:lumOff val="95000"/>
-          </a:schemeClr>
-        </a:solidFill>
-        <a:round/>
-      </a:ln>
-    </cs:spPr>
-  </cs:gridlineMinor>
-  <cs:hiLoLine>
-    <cs:lnRef idx="0"/>
-    <cs:fillRef idx="0"/>
-    <cs:effectRef idx="0"/>
-    <cs:fontRef idx="minor">
-      <a:schemeClr val="tx1"/>
-    </cs:fontRef>
-    <cs:spPr>
-      <a:ln w="9525" cap="flat" cmpd="sng" algn="ctr">
-        <a:solidFill>
-          <a:schemeClr val="tx1">
-            <a:lumMod val="75000"/>
-            <a:lumOff val="25000"/>
-          </a:schemeClr>
-        </a:solidFill>
-        <a:round/>
-      </a:ln>
-    </cs:spPr>
-  </cs:hiLoLine>
-  <cs:leaderLine>
-    <cs:lnRef idx="0"/>
-    <cs:fillRef idx="0"/>
-    <cs:effectRef idx="0"/>
-    <cs:fontRef idx="minor">
-      <a:schemeClr val="tx1"/>
-    </cs:fontRef>
-    <cs:spPr>
-      <a:ln w="9525" cap="flat" cmpd="sng" algn="ctr">
-        <a:solidFill>
-          <a:schemeClr val="tx1">
-            <a:lumMod val="35000"/>
-            <a:lumOff val="65000"/>
-          </a:schemeClr>
-        </a:solidFill>
-        <a:round/>
-      </a:ln>
-    </cs:spPr>
-  </cs:leaderLine>
-  <cs:legend>
-    <cs:lnRef idx="0"/>
-    <cs:fillRef idx="0"/>
-    <cs:effectRef idx="0"/>
-    <cs:fontRef idx="minor">
-      <a:schemeClr val="tx1">
-        <a:lumMod val="65000"/>
-        <a:lumOff val="35000"/>
-      </a:schemeClr>
-    </cs:fontRef>
-    <cs:defRPr sz="1197" kern="1200"/>
-  </cs:legend>
-  <cs:plotArea mods="allowNoFillOverride allowNoLineOverride">
-    <cs:lnRef idx="0"/>
-    <cs:fillRef idx="0"/>
-    <cs:effectRef idx="0"/>
-    <cs:fontRef idx="minor">
-      <a:schemeClr val="tx1"/>
-    </cs:fontRef>
-  </cs:plotArea>
-  <cs:plotArea3D mods="allowNoFillOverride allowNoLineOverride">
-    <cs:lnRef idx="0"/>
-    <cs:fillRef idx="0"/>
-    <cs:effectRef idx="0"/>
-    <cs:fontRef idx="minor">
-      <a:schemeClr val="tx1"/>
-    </cs:fontRef>
-  </cs:plotArea3D>
-  <cs:seriesAxis>
-    <cs:lnRef idx="0"/>
-    <cs:fillRef idx="0"/>
-    <cs:effectRef idx="0"/>
-    <cs:fontRef idx="minor">
-      <a:schemeClr val="tx1">
-        <a:lumMod val="65000"/>
-        <a:lumOff val="35000"/>
-      </a:schemeClr>
-    </cs:fontRef>
-    <cs:defRPr sz="1197" kern="1200"/>
-  </cs:seriesAxis>
-  <cs:seriesLine>
-    <cs:lnRef idx="0"/>
-    <cs:fillRef idx="0"/>
-    <cs:effectRef idx="0"/>
-    <cs:fontRef idx="minor">
-      <a:schemeClr val="tx1"/>
-    </cs:fontRef>
-    <cs:spPr>
-      <a:ln w="9525" cap="flat" cmpd="sng" algn="ctr">
-        <a:solidFill>
-          <a:schemeClr val="tx1">
-            <a:lumMod val="35000"/>
-            <a:lumOff val="65000"/>
-          </a:schemeClr>
-        </a:solidFill>
-        <a:round/>
-      </a:ln>
-    </cs:spPr>
-  </cs:seriesLine>
-  <cs:title>
-    <cs:lnRef idx="0"/>
-    <cs:fillRef idx="0"/>
-    <cs:effectRef idx="0"/>
-    <cs:fontRef idx="minor">
-      <a:schemeClr val="tx1">
-        <a:lumMod val="65000"/>
-        <a:lumOff val="35000"/>
-      </a:schemeClr>
-    </cs:fontRef>
-    <cs:defRPr sz="1862" b="0" kern="1200" spc="0" baseline="0"/>
-  </cs:title>
-  <cs:trendline>
-    <cs:lnRef idx="0">
-      <cs:styleClr val="auto"/>
-    </cs:lnRef>
-    <cs:fillRef idx="0"/>
-    <cs:effectRef idx="0"/>
-    <cs:fontRef idx="minor">
-      <a:schemeClr val="tx1"/>
-    </cs:fontRef>
-    <cs:spPr>
-      <a:ln w="19050" cap="rnd">
-        <a:solidFill>
-          <a:schemeClr val="phClr"/>
-        </a:solidFill>
-        <a:prstDash val="sysDot"/>
-      </a:ln>
-    </cs:spPr>
-  </cs:trendline>
-  <cs:trendlineLabel>
-    <cs:lnRef idx="0"/>
-    <cs:fillRef idx="0"/>
-    <cs:effectRef idx="0"/>
-    <cs:fontRef idx="minor">
-      <a:schemeClr val="tx1">
-        <a:lumMod val="65000"/>
-        <a:lumOff val="35000"/>
-      </a:schemeClr>
-    </cs:fontRef>
-    <cs:defRPr sz="1197" kern="1200"/>
-  </cs:trendlineLabel>
-  <cs:upBar>
-    <cs:lnRef idx="0"/>
-    <cs:fillRef idx="0"/>
-    <cs:effectRef idx="0"/>
-    <cs:fontRef idx="minor">
-      <a:schemeClr val="dk1"/>
-    </cs:fontRef>
-    <cs:spPr>
-      <a:solidFill>
-        <a:schemeClr val="lt1"/>
-      </a:solidFill>
-      <a:ln w="9525">
-        <a:solidFill>
-          <a:schemeClr val="tx1">
-            <a:lumMod val="15000"/>
-            <a:lumOff val="85000"/>
-          </a:schemeClr>
-        </a:solidFill>
-      </a:ln>
-    </cs:spPr>
-  </cs:upBar>
-  <cs:valueAxis>
-    <cs:lnRef idx="0"/>
-    <cs:fillRef idx="0"/>
-    <cs:effectRef idx="0"/>
-    <cs:fontRef idx="minor">
-      <a:schemeClr val="tx1">
-        <a:lumMod val="65000"/>
-        <a:lumOff val="35000"/>
-      </a:schemeClr>
-    </cs:fontRef>
-    <cs:defRPr sz="1197" kern="1200"/>
-  </cs:valueAxis>
-  <cs:wall>
-    <cs:lnRef idx="0"/>
-    <cs:fillRef idx="0"/>
-    <cs:effectRef idx="0"/>
-    <cs:fontRef idx="minor">
-      <a:schemeClr val="tx1"/>
-    </cs:fontRef>
-    <cs:spPr>
-      <a:noFill/>
-      <a:ln>
-        <a:noFill/>
-      </a:ln>
-    </cs:spPr>
-  </cs:wall>
-</cs:chartStyle>
-</file>
-
-<file path=ppt/charts/style2.xml><?xml version="1.0" encoding="utf-8"?>
 <cs:chartStyle xmlns:cs="http://schemas.microsoft.com/office/drawing/2012/chartStyle" xmlns:a="http://schemas.openxmlformats.org/drawingml/2006/main" id="201">
   <cs:axisTitle>
     <cs:lnRef idx="0"/>
@@ -2371,7 +1297,7 @@
               <a:pPr>
                 <a:defRPr/>
               </a:pPr>
-              <a:t>23.04.2021</a:t>
+              <a:t>05.10.2021</a:t>
             </a:fld>
             <a:endParaRPr lang="ru-RU"/>
           </a:p>
@@ -3343,7 +2269,7 @@
             </a:pPr>
             <a:fld id="{2D06B45D-8B5D-4477-860D-A1C9D56BB95C}" type="datetime1">
               <a:rPr lang="ru-RU" smtClean="0"/>
-              <a:t>23.04.2021</a:t>
+              <a:t>05.10.2021</a:t>
             </a:fld>
             <a:endParaRPr lang="ru-RU"/>
           </a:p>
@@ -3535,7 +2461,7 @@
             </a:pPr>
             <a:fld id="{1E8BF5CA-F70D-4860-869D-CD27ECC015B8}" type="datetime1">
               <a:rPr lang="ru-RU" smtClean="0"/>
-              <a:t>23.04.2021</a:t>
+              <a:t>05.10.2021</a:t>
             </a:fld>
             <a:endParaRPr lang="ru-RU"/>
           </a:p>
@@ -3717,7 +2643,7 @@
             </a:pPr>
             <a:fld id="{DE56F33B-C104-4810-B1B9-487C5AA50F76}" type="datetime1">
               <a:rPr lang="ru-RU" smtClean="0"/>
-              <a:t>23.04.2021</a:t>
+              <a:t>05.10.2021</a:t>
             </a:fld>
             <a:endParaRPr lang="ru-RU"/>
           </a:p>
@@ -3976,7 +2902,7 @@
             </a:pPr>
             <a:fld id="{0B6E2446-5CD3-42D6-8806-5D75BADF753B}" type="datetime1">
               <a:rPr lang="ru-RU" smtClean="0"/>
-              <a:t>23.04.2021</a:t>
+              <a:t>05.10.2021</a:t>
             </a:fld>
             <a:endParaRPr lang="ru-RU"/>
           </a:p>
@@ -4275,7 +3201,7 @@
             </a:pPr>
             <a:fld id="{F65BBF74-A991-44DA-A911-BDC6FB1DAF7C}" type="datetime1">
               <a:rPr lang="ru-RU" smtClean="0"/>
-              <a:t>23.04.2021</a:t>
+              <a:t>05.10.2021</a:t>
             </a:fld>
             <a:endParaRPr lang="ru-RU"/>
           </a:p>
@@ -4708,7 +3634,7 @@
             </a:pPr>
             <a:fld id="{BAA42FAD-AA3C-4C77-B5FE-275A2FDA993E}" type="datetime1">
               <a:rPr lang="ru-RU" smtClean="0"/>
-              <a:t>23.04.2021</a:t>
+              <a:t>05.10.2021</a:t>
             </a:fld>
             <a:endParaRPr lang="ru-RU"/>
           </a:p>
@@ -4839,7 +3765,7 @@
             </a:pPr>
             <a:fld id="{AB319FFB-5D8E-4EE1-9EA6-DDA56B9D9C4C}" type="datetime1">
               <a:rPr lang="ru-RU" smtClean="0"/>
-              <a:t>23.04.2021</a:t>
+              <a:t>05.10.2021</a:t>
             </a:fld>
             <a:endParaRPr lang="ru-RU"/>
           </a:p>
@@ -4948,7 +3874,7 @@
             </a:pPr>
             <a:fld id="{EF975D8D-0BC5-41D9-B40A-D906C2B7330C}" type="datetime1">
               <a:rPr lang="ru-RU" smtClean="0"/>
-              <a:t>23.04.2021</a:t>
+              <a:t>05.10.2021</a:t>
             </a:fld>
             <a:endParaRPr lang="ru-RU"/>
           </a:p>
@@ -5237,7 +4163,7 @@
             </a:pPr>
             <a:fld id="{94C972DC-8F17-4ED8-9DA0-E162C9349712}" type="datetime1">
               <a:rPr lang="ru-RU" smtClean="0"/>
-              <a:t>23.04.2021</a:t>
+              <a:t>05.10.2021</a:t>
             </a:fld>
             <a:endParaRPr lang="ru-RU"/>
           </a:p>
@@ -5509,7 +4435,7 @@
             </a:pPr>
             <a:fld id="{D1FE6CF2-9989-4120-91CF-EC1BC8DECD87}" type="datetime1">
               <a:rPr lang="ru-RU" smtClean="0"/>
-              <a:t>23.04.2021</a:t>
+              <a:t>05.10.2021</a:t>
             </a:fld>
             <a:endParaRPr lang="ru-RU"/>
           </a:p>
@@ -5760,7 +4686,7 @@
             </a:pPr>
             <a:fld id="{7DB5831D-7BEB-434B-AAEF-A4E5F030E876}" type="datetime1">
               <a:rPr lang="ru-RU" smtClean="0"/>
-              <a:t>23.04.2021</a:t>
+              <a:t>05.10.2021</a:t>
             </a:fld>
             <a:endParaRPr lang="ru-RU"/>
           </a:p>
@@ -6829,7 +5755,7 @@
                 <a:latin typeface="Arial Narrow" panose="020B0606020202030204" pitchFamily="34" charset="0"/>
                 <a:cs typeface="Arial" panose="020B0604020202020204" pitchFamily="34" charset="0"/>
               </a:rPr>
-              <a:t>Оценка перечня социальных, экономических, экологических последствий от внедрения в проект новой технологии.</a:t>
+              <a:t>Оценка предполагаемого устойчивого развития с учетом применения предложенного решения.</a:t>
             </a:r>
           </a:p>
         </p:txBody>
@@ -7072,7 +5998,7 @@
     </p:spTree>
     <p:extLst>
       <p:ext uri="{BB962C8B-B14F-4D97-AF65-F5344CB8AC3E}">
-        <p14:creationId xmlns:p14="http://schemas.microsoft.com/office/powerpoint/2010/main" val="1992279045"/>
+        <p14:creationId xmlns:p14="http://schemas.microsoft.com/office/powerpoint/2010/main" val="1934595303"/>
       </p:ext>
     </p:extLst>
   </p:cSld>
@@ -7083,430 +6009,6 @@
 </file>
 
 <file path=ppt/slides/slide11.xml><?xml version="1.0" encoding="utf-8"?>
-<p:sld xmlns:a="http://schemas.openxmlformats.org/drawingml/2006/main" xmlns:r="http://schemas.openxmlformats.org/officeDocument/2006/relationships" xmlns:p="http://schemas.openxmlformats.org/presentationml/2006/main">
-  <p:cSld>
-    <p:spTree>
-      <p:nvGrpSpPr>
-        <p:cNvPr id="1" name=""/>
-        <p:cNvGrpSpPr/>
-        <p:nvPr/>
-      </p:nvGrpSpPr>
-      <p:grpSpPr>
-        <a:xfrm>
-          <a:off x="0" y="0"/>
-          <a:ext cx="0" cy="0"/>
-          <a:chOff x="0" y="0"/>
-          <a:chExt cx="0" cy="0"/>
-        </a:xfrm>
-      </p:grpSpPr>
-      <p:sp>
-        <p:nvSpPr>
-          <p:cNvPr id="2" name="Номер слайда 1"/>
-          <p:cNvSpPr>
-            <a:spLocks noGrp="1"/>
-          </p:cNvSpPr>
-          <p:nvPr>
-            <p:ph type="sldNum" sz="quarter" idx="12"/>
-          </p:nvPr>
-        </p:nvSpPr>
-        <p:spPr>
-          <a:xfrm>
-            <a:off x="8625296" y="4779963"/>
-            <a:ext cx="333400" cy="273844"/>
-          </a:xfrm>
-        </p:spPr>
-        <p:txBody>
-          <a:bodyPr/>
-          <a:lstStyle/>
-          <a:p>
-            <a:fld id="{1C0A57E3-EA23-4E01-B1DF-72CA8D4A16E5}" type="slidenum">
-              <a:rPr lang="ru-RU" altLang="ru-RU" sz="1050" smtClean="0">
-                <a:solidFill>
-                  <a:schemeClr val="tx1"/>
-                </a:solidFill>
-                <a:latin typeface="Arial Narrow" panose="020B0606020202030204" pitchFamily="34" charset="0"/>
-              </a:rPr>
-              <a:pPr/>
-              <a:t>11</a:t>
-            </a:fld>
-            <a:endParaRPr lang="ru-RU" altLang="ru-RU" sz="1000" dirty="0">
-              <a:solidFill>
-                <a:schemeClr val="tx1"/>
-              </a:solidFill>
-              <a:latin typeface="Arial Narrow" panose="020B0606020202030204" pitchFamily="34" charset="0"/>
-            </a:endParaRPr>
-          </a:p>
-        </p:txBody>
-      </p:sp>
-      <p:sp>
-        <p:nvSpPr>
-          <p:cNvPr id="8" name="Заголовок 1"/>
-          <p:cNvSpPr>
-            <a:spLocks noGrp="1"/>
-          </p:cNvSpPr>
-          <p:nvPr>
-            <p:ph type="title"/>
-          </p:nvPr>
-        </p:nvSpPr>
-        <p:spPr>
-          <a:xfrm>
-            <a:off x="319496" y="213364"/>
-            <a:ext cx="8229600" cy="711703"/>
-          </a:xfrm>
-        </p:spPr>
-        <p:txBody>
-          <a:bodyPr anchor="t"/>
-          <a:lstStyle/>
-          <a:p>
-            <a:pPr algn="l" eaLnBrk="1" hangingPunct="1"/>
-            <a:r>
-              <a:rPr lang="ru-RU" altLang="ru-RU" sz="2800" b="1" dirty="0">
-                <a:solidFill>
-                  <a:srgbClr val="0166B3"/>
-                </a:solidFill>
-                <a:latin typeface="Arial Narrow" panose="020B0606020202030204" pitchFamily="34" charset="0"/>
-                <a:cs typeface="Arial" panose="020B0604020202020204" pitchFamily="34" charset="0"/>
-              </a:rPr>
-              <a:t>Итоги и результаты внедрения</a:t>
-            </a:r>
-          </a:p>
-        </p:txBody>
-      </p:sp>
-      <p:pic>
-        <p:nvPicPr>
-          <p:cNvPr id="12" name="Picture 2" descr="Благотворительный фонд &quot;Надежная смена&quot; | Проект - МЕЖДУНАРОДНЫЙ ...">
-            <a:extLst>
-              <a:ext uri="{FF2B5EF4-FFF2-40B4-BE49-F238E27FC236}">
-                <a16:creationId xmlns:a16="http://schemas.microsoft.com/office/drawing/2014/main" id="{190290AD-CDF7-4FB7-A605-3B11362F6516}"/>
-              </a:ext>
-            </a:extLst>
-          </p:cNvPr>
-          <p:cNvPicPr>
-            <a:picLocks noChangeAspect="1" noChangeArrowheads="1"/>
-          </p:cNvPicPr>
-          <p:nvPr/>
-        </p:nvPicPr>
-        <p:blipFill>
-          <a:blip r:embed="rId2" cstate="print">
-            <a:extLst>
-              <a:ext uri="{28A0092B-C50C-407E-A947-70E740481C1C}">
-                <a14:useLocalDpi xmlns:a14="http://schemas.microsoft.com/office/drawing/2010/main" val="0"/>
-              </a:ext>
-            </a:extLst>
-          </a:blip>
-          <a:srcRect/>
-          <a:stretch>
-            <a:fillRect/>
-          </a:stretch>
-        </p:blipFill>
-        <p:spPr bwMode="auto">
-          <a:xfrm>
-            <a:off x="7827149" y="164355"/>
-            <a:ext cx="1042647" cy="476250"/>
-          </a:xfrm>
-          <a:prstGeom prst="rect">
-            <a:avLst/>
-          </a:prstGeom>
-          <a:noFill/>
-          <a:extLst>
-            <a:ext uri="{909E8E84-426E-40DD-AFC4-6F175D3DCCD1}">
-              <a14:hiddenFill xmlns:a14="http://schemas.microsoft.com/office/drawing/2010/main">
-                <a:solidFill>
-                  <a:srgbClr val="FFFFFF"/>
-                </a:solidFill>
-              </a14:hiddenFill>
-            </a:ext>
-          </a:extLst>
-        </p:spPr>
-      </p:pic>
-      <p:sp>
-        <p:nvSpPr>
-          <p:cNvPr id="3" name="Прямоугольник 2"/>
-          <p:cNvSpPr/>
-          <p:nvPr/>
-        </p:nvSpPr>
-        <p:spPr>
-          <a:xfrm>
-            <a:off x="4434296" y="1764752"/>
-            <a:ext cx="4572000" cy="923330"/>
-          </a:xfrm>
-          <a:prstGeom prst="rect">
-            <a:avLst/>
-          </a:prstGeom>
-        </p:spPr>
-        <p:txBody>
-          <a:bodyPr>
-            <a:spAutoFit/>
-          </a:bodyPr>
-          <a:lstStyle/>
-          <a:p>
-            <a:pPr marL="285750" indent="-285750">
-              <a:buClr>
-                <a:srgbClr val="0166B3"/>
-              </a:buClr>
-              <a:buFont typeface="Arial" panose="020B0604020202020204" pitchFamily="34" charset="0"/>
-              <a:buChar char="•"/>
-              <a:defRPr/>
-            </a:pPr>
-            <a:r>
-              <a:rPr lang="ru-RU" altLang="ru-RU" dirty="0">
-                <a:latin typeface="Arial Narrow" panose="020B0606020202030204" pitchFamily="34" charset="0"/>
-                <a:cs typeface="Arial" panose="020B0604020202020204" pitchFamily="34" charset="0"/>
-              </a:rPr>
-              <a:t>Оценка предполагаемого устойчивого развития с учетом применения предложенного решения.</a:t>
-            </a:r>
-          </a:p>
-        </p:txBody>
-      </p:sp>
-      <p:sp>
-        <p:nvSpPr>
-          <p:cNvPr id="13" name="Объект 2">
-            <a:extLst>
-              <a:ext uri="{FF2B5EF4-FFF2-40B4-BE49-F238E27FC236}">
-                <a16:creationId xmlns:a16="http://schemas.microsoft.com/office/drawing/2014/main" id="{4F8C4FAC-9DD6-4061-A111-108F1593702A}"/>
-              </a:ext>
-            </a:extLst>
-          </p:cNvPr>
-          <p:cNvSpPr txBox="1">
-            <a:spLocks/>
-          </p:cNvSpPr>
-          <p:nvPr/>
-        </p:nvSpPr>
-        <p:spPr bwMode="auto">
-          <a:xfrm>
-            <a:off x="395536" y="1686777"/>
-            <a:ext cx="3435016" cy="1861192"/>
-          </a:xfrm>
-          <a:prstGeom prst="rect">
-            <a:avLst/>
-          </a:prstGeom>
-          <a:noFill/>
-          <a:ln w="9525">
-            <a:noFill/>
-            <a:miter lim="800000"/>
-            <a:headEnd/>
-            <a:tailEnd/>
-          </a:ln>
-        </p:spPr>
-        <p:txBody>
-          <a:bodyPr vert="horz" wrap="square" lIns="91440" tIns="45720" rIns="91440" bIns="45720" numCol="1" anchor="t" anchorCtr="0" compatLnSpc="1">
-            <a:prstTxWarp prst="textNoShape">
-              <a:avLst/>
-            </a:prstTxWarp>
-          </a:bodyPr>
-          <a:lstStyle>
-            <a:lvl1pPr marL="342900" indent="-342900" algn="l" rtl="0" eaLnBrk="0" fontAlgn="base" hangingPunct="0">
-              <a:spcBef>
-                <a:spcPct val="20000"/>
-              </a:spcBef>
-              <a:spcAft>
-                <a:spcPct val="0"/>
-              </a:spcAft>
-              <a:buFont typeface="Arial" charset="0"/>
-              <a:buChar char="•"/>
-              <a:defRPr sz="3200" kern="1200">
-                <a:solidFill>
-                  <a:schemeClr val="tx1"/>
-                </a:solidFill>
-                <a:latin typeface="+mn-lt"/>
-                <a:ea typeface="+mn-ea"/>
-                <a:cs typeface="+mn-cs"/>
-              </a:defRPr>
-            </a:lvl1pPr>
-            <a:lvl2pPr marL="742950" indent="-285750" algn="l" rtl="0" eaLnBrk="0" fontAlgn="base" hangingPunct="0">
-              <a:spcBef>
-                <a:spcPct val="20000"/>
-              </a:spcBef>
-              <a:spcAft>
-                <a:spcPct val="0"/>
-              </a:spcAft>
-              <a:buFont typeface="Arial" charset="0"/>
-              <a:buChar char="–"/>
-              <a:defRPr sz="2800" kern="1200">
-                <a:solidFill>
-                  <a:schemeClr val="tx1"/>
-                </a:solidFill>
-                <a:latin typeface="+mn-lt"/>
-                <a:ea typeface="+mn-ea"/>
-                <a:cs typeface="+mn-cs"/>
-              </a:defRPr>
-            </a:lvl2pPr>
-            <a:lvl3pPr marL="1143000" indent="-228600" algn="l" rtl="0" eaLnBrk="0" fontAlgn="base" hangingPunct="0">
-              <a:spcBef>
-                <a:spcPct val="20000"/>
-              </a:spcBef>
-              <a:spcAft>
-                <a:spcPct val="0"/>
-              </a:spcAft>
-              <a:buFont typeface="Arial" charset="0"/>
-              <a:buChar char="•"/>
-              <a:defRPr sz="2400" kern="1200">
-                <a:solidFill>
-                  <a:schemeClr val="tx1"/>
-                </a:solidFill>
-                <a:latin typeface="+mn-lt"/>
-                <a:ea typeface="+mn-ea"/>
-                <a:cs typeface="+mn-cs"/>
-              </a:defRPr>
-            </a:lvl3pPr>
-            <a:lvl4pPr marL="1600200" indent="-228600" algn="l" rtl="0" eaLnBrk="0" fontAlgn="base" hangingPunct="0">
-              <a:spcBef>
-                <a:spcPct val="20000"/>
-              </a:spcBef>
-              <a:spcAft>
-                <a:spcPct val="0"/>
-              </a:spcAft>
-              <a:buFont typeface="Arial" charset="0"/>
-              <a:buChar char="–"/>
-              <a:defRPr sz="2000" kern="1200">
-                <a:solidFill>
-                  <a:schemeClr val="tx1"/>
-                </a:solidFill>
-                <a:latin typeface="+mn-lt"/>
-                <a:ea typeface="+mn-ea"/>
-                <a:cs typeface="+mn-cs"/>
-              </a:defRPr>
-            </a:lvl4pPr>
-            <a:lvl5pPr marL="2057400" indent="-228600" algn="l" rtl="0" eaLnBrk="0" fontAlgn="base" hangingPunct="0">
-              <a:spcBef>
-                <a:spcPct val="20000"/>
-              </a:spcBef>
-              <a:spcAft>
-                <a:spcPct val="0"/>
-              </a:spcAft>
-              <a:buFont typeface="Arial" charset="0"/>
-              <a:buChar char="»"/>
-              <a:defRPr sz="2000" kern="1200">
-                <a:solidFill>
-                  <a:schemeClr val="tx1"/>
-                </a:solidFill>
-                <a:latin typeface="+mn-lt"/>
-                <a:ea typeface="+mn-ea"/>
-                <a:cs typeface="+mn-cs"/>
-              </a:defRPr>
-            </a:lvl5pPr>
-            <a:lvl6pPr marL="2514600" indent="-228600" algn="l" defTabSz="914400" rtl="0" eaLnBrk="1" latinLnBrk="0" hangingPunct="1">
-              <a:spcBef>
-                <a:spcPct val="20000"/>
-              </a:spcBef>
-              <a:buFont typeface="Arial" pitchFamily="34" charset="0"/>
-              <a:buChar char="•"/>
-              <a:defRPr sz="2000" kern="1200">
-                <a:solidFill>
-                  <a:schemeClr val="tx1"/>
-                </a:solidFill>
-                <a:latin typeface="+mn-lt"/>
-                <a:ea typeface="+mn-ea"/>
-                <a:cs typeface="+mn-cs"/>
-              </a:defRPr>
-            </a:lvl6pPr>
-            <a:lvl7pPr marL="2971800" indent="-228600" algn="l" defTabSz="914400" rtl="0" eaLnBrk="1" latinLnBrk="0" hangingPunct="1">
-              <a:spcBef>
-                <a:spcPct val="20000"/>
-              </a:spcBef>
-              <a:buFont typeface="Arial" pitchFamily="34" charset="0"/>
-              <a:buChar char="•"/>
-              <a:defRPr sz="2000" kern="1200">
-                <a:solidFill>
-                  <a:schemeClr val="tx1"/>
-                </a:solidFill>
-                <a:latin typeface="+mn-lt"/>
-                <a:ea typeface="+mn-ea"/>
-                <a:cs typeface="+mn-cs"/>
-              </a:defRPr>
-            </a:lvl7pPr>
-            <a:lvl8pPr marL="3429000" indent="-228600" algn="l" defTabSz="914400" rtl="0" eaLnBrk="1" latinLnBrk="0" hangingPunct="1">
-              <a:spcBef>
-                <a:spcPct val="20000"/>
-              </a:spcBef>
-              <a:buFont typeface="Arial" pitchFamily="34" charset="0"/>
-              <a:buChar char="•"/>
-              <a:defRPr sz="2000" kern="1200">
-                <a:solidFill>
-                  <a:schemeClr val="tx1"/>
-                </a:solidFill>
-                <a:latin typeface="+mn-lt"/>
-                <a:ea typeface="+mn-ea"/>
-                <a:cs typeface="+mn-cs"/>
-              </a:defRPr>
-            </a:lvl8pPr>
-            <a:lvl9pPr marL="3886200" indent="-228600" algn="l" defTabSz="914400" rtl="0" eaLnBrk="1" latinLnBrk="0" hangingPunct="1">
-              <a:spcBef>
-                <a:spcPct val="20000"/>
-              </a:spcBef>
-              <a:buFont typeface="Arial" pitchFamily="34" charset="0"/>
-              <a:buChar char="•"/>
-              <a:defRPr sz="2000" kern="1200">
-                <a:solidFill>
-                  <a:schemeClr val="tx1"/>
-                </a:solidFill>
-                <a:latin typeface="+mn-lt"/>
-                <a:ea typeface="+mn-ea"/>
-                <a:cs typeface="+mn-cs"/>
-              </a:defRPr>
-            </a:lvl9pPr>
-          </a:lstStyle>
-          <a:p>
-            <a:pPr marL="0" indent="0" eaLnBrk="1" hangingPunct="1">
-              <a:spcBef>
-                <a:spcPts val="1200"/>
-              </a:spcBef>
-              <a:spcAft>
-                <a:spcPts val="1200"/>
-              </a:spcAft>
-              <a:buClr>
-                <a:srgbClr val="0166B3"/>
-              </a:buClr>
-              <a:buFont typeface="Arial" charset="0"/>
-              <a:buNone/>
-            </a:pPr>
-            <a:r>
-              <a:rPr lang="ru-RU" altLang="ru-RU" sz="2800" spc="20" dirty="0">
-                <a:solidFill>
-                  <a:srgbClr val="FF0000"/>
-                </a:solidFill>
-                <a:latin typeface="Arial Narrow" panose="020B0606020202030204" pitchFamily="34" charset="0"/>
-                <a:cs typeface="Arial" panose="020B0604020202020204" pitchFamily="34" charset="0"/>
-              </a:rPr>
-              <a:t>На данном слайде </a:t>
-            </a:r>
-            <a:r>
-              <a:rPr lang="ru-RU" altLang="ru-RU" sz="2800" u="sng" spc="20" dirty="0">
-                <a:solidFill>
-                  <a:srgbClr val="FF0000"/>
-                </a:solidFill>
-                <a:latin typeface="Arial Narrow" panose="020B0606020202030204" pitchFamily="34" charset="0"/>
-                <a:cs typeface="Arial" panose="020B0604020202020204" pitchFamily="34" charset="0"/>
-              </a:rPr>
-              <a:t>рекомендуется </a:t>
-            </a:r>
-            <a:r>
-              <a:rPr lang="ru-RU" altLang="ru-RU" sz="2800" spc="20" dirty="0">
-                <a:solidFill>
-                  <a:srgbClr val="FF0000"/>
-                </a:solidFill>
-                <a:latin typeface="Arial Narrow" panose="020B0606020202030204" pitchFamily="34" charset="0"/>
-                <a:cs typeface="Arial" panose="020B0604020202020204" pitchFamily="34" charset="0"/>
-              </a:rPr>
-              <a:t>презентовать:</a:t>
-            </a:r>
-          </a:p>
-        </p:txBody>
-      </p:sp>
-    </p:spTree>
-    <p:extLst>
-      <p:ext uri="{BB962C8B-B14F-4D97-AF65-F5344CB8AC3E}">
-        <p14:creationId xmlns:p14="http://schemas.microsoft.com/office/powerpoint/2010/main" val="1934595303"/>
-      </p:ext>
-    </p:extLst>
-  </p:cSld>
-  <p:clrMapOvr>
-    <a:masterClrMapping/>
-  </p:clrMapOvr>
-</p:sld>
-</file>
-
-<file path=ppt/slides/slide12.xml><?xml version="1.0" encoding="utf-8"?>
 <p:sld xmlns:a="http://schemas.openxmlformats.org/drawingml/2006/main" xmlns:r="http://schemas.openxmlformats.org/officeDocument/2006/relationships" xmlns:p="http://schemas.openxmlformats.org/presentationml/2006/main">
   <p:cSld>
     <p:bg>
@@ -7997,7 +6499,7 @@
 </p:sld>
 </file>
 
-<file path=ppt/slides/slide13.xml><?xml version="1.0" encoding="utf-8"?>
+<file path=ppt/slides/slide12.xml><?xml version="1.0" encoding="utf-8"?>
 <p:sld xmlns:a="http://schemas.openxmlformats.org/drawingml/2006/main" xmlns:r="http://schemas.openxmlformats.org/officeDocument/2006/relationships" xmlns:p="http://schemas.openxmlformats.org/presentationml/2006/main">
   <p:cSld>
     <p:bg>
@@ -23701,8 +22203,8 @@
         </p:nvSpPr>
         <p:spPr bwMode="auto">
           <a:xfrm>
-            <a:off x="4810962" y="104009"/>
-            <a:ext cx="3037425" cy="391338"/>
+            <a:off x="4527857" y="1414109"/>
+            <a:ext cx="4587144" cy="1594002"/>
           </a:xfrm>
           <a:prstGeom prst="rect">
             <a:avLst/>
@@ -23881,20 +22383,66 @@
               <a:buNone/>
               <a:defRPr/>
             </a:pPr>
-            <a:r>
-              <a:rPr lang="ru-RU" altLang="ru-RU" sz="1600" dirty="0" smtClean="0">
+            <a:endParaRPr lang="ru-RU" altLang="ru-RU" sz="1800" dirty="0">
+              <a:latin typeface="Arial Narrow" panose="020B0606020202030204" pitchFamily="34" charset="0"/>
+              <a:cs typeface="Arial" panose="020B0604020202020204" pitchFamily="34" charset="0"/>
+            </a:endParaRPr>
+          </a:p>
+          <a:p>
+            <a:pPr marL="0" lvl="0" indent="0">
+              <a:buClr>
+                <a:srgbClr val="0166B3"/>
+              </a:buClr>
+              <a:buNone/>
+              <a:defRPr/>
+            </a:pPr>
+            <a:endParaRPr lang="ru-RU" altLang="ru-RU" sz="1800" dirty="0">
+              <a:latin typeface="Arial Narrow" panose="020B0606020202030204" pitchFamily="34" charset="0"/>
+              <a:cs typeface="Arial" panose="020B0604020202020204" pitchFamily="34" charset="0"/>
+            </a:endParaRPr>
+          </a:p>
+          <a:p>
+            <a:pPr marL="285750" lvl="0" indent="-285750">
+              <a:buClr>
+                <a:srgbClr val="0166B3"/>
+              </a:buClr>
+              <a:buFont typeface="Arial" panose="020B0604020202020204" pitchFamily="34" charset="0"/>
+              <a:buChar char="•"/>
+              <a:defRPr/>
+            </a:pPr>
+            <a:r>
+              <a:rPr lang="ru-RU" altLang="ru-RU" sz="1800" dirty="0">
                 <a:latin typeface="Arial Narrow" panose="020B0606020202030204" pitchFamily="34" charset="0"/>
                 <a:cs typeface="Arial" panose="020B0604020202020204" pitchFamily="34" charset="0"/>
               </a:rPr>
-              <a:t>Критерии </a:t>
-            </a:r>
-            <a:r>
-              <a:rPr lang="ru-RU" altLang="ru-RU" sz="1600" dirty="0">
+              <a:t>Обоснование, расчёты, характеристики </a:t>
+            </a:r>
+            <a:br>
+              <a:rPr lang="ru-RU" altLang="ru-RU" sz="1800" dirty="0">
                 <a:latin typeface="Arial Narrow" panose="020B0606020202030204" pitchFamily="34" charset="0"/>
                 <a:cs typeface="Arial" panose="020B0604020202020204" pitchFamily="34" charset="0"/>
               </a:rPr>
-              <a:t>отбора лучшего решения.</a:t>
-            </a:r>
+            </a:br>
+            <a:r>
+              <a:rPr lang="ru-RU" altLang="ru-RU" sz="1800" dirty="0">
+                <a:latin typeface="Arial Narrow" panose="020B0606020202030204" pitchFamily="34" charset="0"/>
+                <a:cs typeface="Arial" panose="020B0604020202020204" pitchFamily="34" charset="0"/>
+              </a:rPr>
+              <a:t>и показатели предлагаемого варианта.</a:t>
+            </a:r>
+          </a:p>
+          <a:p>
+            <a:pPr marL="0" lvl="0" indent="0">
+              <a:buClr>
+                <a:srgbClr val="0166B3"/>
+              </a:buClr>
+              <a:buNone/>
+              <a:defRPr/>
+            </a:pPr>
+            <a:endParaRPr lang="ru-RU" altLang="ru-RU" sz="1800" dirty="0">
+              <a:latin typeface="Arial Narrow" panose="020B0606020202030204" pitchFamily="34" charset="0"/>
+              <a:cs typeface="Arial" panose="020B0604020202020204" pitchFamily="34" charset="0"/>
+            </a:endParaRPr>
           </a:p>
         </p:txBody>
       </p:sp>
@@ -23995,8 +22543,8 @@
         </p:nvSpPr>
         <p:spPr bwMode="auto">
           <a:xfrm>
-            <a:off x="1835696" y="104009"/>
-            <a:ext cx="2952328" cy="596941"/>
+            <a:off x="395536" y="1686777"/>
+            <a:ext cx="3435016" cy="1861192"/>
           </a:xfrm>
           <a:prstGeom prst="rect">
             <a:avLst/>
@@ -24182,7 +22730,7 @@
               <a:buNone/>
             </a:pPr>
             <a:r>
-              <a:rPr lang="ru-RU" altLang="ru-RU" sz="1600" spc="20" dirty="0">
+              <a:rPr lang="ru-RU" altLang="ru-RU" sz="2800" spc="20" dirty="0">
                 <a:solidFill>
                   <a:srgbClr val="FF0000"/>
                 </a:solidFill>
@@ -24192,7 +22740,7 @@
               <a:t>На данном слайде </a:t>
             </a:r>
             <a:r>
-              <a:rPr lang="ru-RU" altLang="ru-RU" sz="1600" u="sng" spc="20" dirty="0">
+              <a:rPr lang="ru-RU" altLang="ru-RU" sz="2800" u="sng" spc="20" dirty="0">
                 <a:solidFill>
                   <a:srgbClr val="FF0000"/>
                 </a:solidFill>
@@ -24202,7 +22750,7 @@
               <a:t>рекомендуется</a:t>
             </a:r>
             <a:r>
-              <a:rPr lang="ru-RU" altLang="ru-RU" sz="1600" spc="20" dirty="0">
+              <a:rPr lang="ru-RU" altLang="ru-RU" sz="2800" spc="20" dirty="0">
                 <a:solidFill>
                   <a:srgbClr val="FF0000"/>
                 </a:solidFill>
@@ -24214,62 +22762,10 @@
           </a:p>
         </p:txBody>
       </p:sp>
-      <p:pic>
-        <p:nvPicPr>
-          <p:cNvPr id="7" name="Рисунок 6"/>
-          <p:cNvPicPr>
-            <a:picLocks noChangeAspect="1"/>
-          </p:cNvPicPr>
-          <p:nvPr/>
-        </p:nvPicPr>
-        <p:blipFill>
-          <a:blip r:embed="rId3">
-            <a:extLst>
-              <a:ext uri="{28A0092B-C50C-407E-A947-70E740481C1C}">
-                <a14:useLocalDpi xmlns:a14="http://schemas.microsoft.com/office/drawing/2010/main" val="0"/>
-              </a:ext>
-            </a:extLst>
-          </a:blip>
-          <a:stretch>
-            <a:fillRect/>
-          </a:stretch>
-        </p:blipFill>
-        <p:spPr>
-          <a:xfrm>
-            <a:off x="467544" y="1923678"/>
-            <a:ext cx="4126984" cy="2261442"/>
-          </a:xfrm>
-          <a:prstGeom prst="rect">
-            <a:avLst/>
-          </a:prstGeom>
-        </p:spPr>
-      </p:pic>
-      <p:graphicFrame>
-        <p:nvGraphicFramePr>
-          <p:cNvPr id="9" name="Диаграмма 8"/>
-          <p:cNvGraphicFramePr/>
-          <p:nvPr>
-            <p:extLst>
-              <p:ext uri="{D42A27DB-BD31-4B8C-83A1-F6EECF244321}">
-                <p14:modId xmlns:p14="http://schemas.microsoft.com/office/powerpoint/2010/main" val="1267021208"/>
-              </p:ext>
-            </p:extLst>
-          </p:nvPr>
-        </p:nvGraphicFramePr>
-        <p:xfrm>
-          <a:off x="4621724" y="1923678"/>
-          <a:ext cx="3406660" cy="2592288"/>
-        </p:xfrm>
-        <a:graphic>
-          <a:graphicData uri="http://schemas.openxmlformats.org/drawingml/2006/chart">
-            <c:chart xmlns:c="http://schemas.openxmlformats.org/drawingml/2006/chart" xmlns:r="http://schemas.openxmlformats.org/officeDocument/2006/relationships" r:id="rId4"/>
-          </a:graphicData>
-        </a:graphic>
-      </p:graphicFrame>
     </p:spTree>
     <p:extLst>
       <p:ext uri="{BB962C8B-B14F-4D97-AF65-F5344CB8AC3E}">
-        <p14:creationId xmlns:p14="http://schemas.microsoft.com/office/powerpoint/2010/main" val="1381247523"/>
+        <p14:creationId xmlns:p14="http://schemas.microsoft.com/office/powerpoint/2010/main" val="3033615964"/>
       </p:ext>
     </p:extLst>
   </p:cSld>
@@ -24337,265 +22833,6 @@
       </p:sp>
       <p:sp>
         <p:nvSpPr>
-          <p:cNvPr id="14" name="Объект 2">
-            <a:extLst>
-              <a:ext uri="{FF2B5EF4-FFF2-40B4-BE49-F238E27FC236}">
-                <a16:creationId xmlns:a16="http://schemas.microsoft.com/office/drawing/2014/main" id="{DB197957-64BC-4E4C-90E2-E156C7A58027}"/>
-              </a:ext>
-            </a:extLst>
-          </p:cNvPr>
-          <p:cNvSpPr txBox="1">
-            <a:spLocks/>
-          </p:cNvSpPr>
-          <p:nvPr/>
-        </p:nvSpPr>
-        <p:spPr bwMode="auto">
-          <a:xfrm>
-            <a:off x="4527857" y="1414109"/>
-            <a:ext cx="4587144" cy="1594002"/>
-          </a:xfrm>
-          <a:prstGeom prst="rect">
-            <a:avLst/>
-          </a:prstGeom>
-          <a:noFill/>
-          <a:ln w="9525">
-            <a:noFill/>
-            <a:miter lim="800000"/>
-            <a:headEnd/>
-            <a:tailEnd/>
-          </a:ln>
-        </p:spPr>
-        <p:txBody>
-          <a:bodyPr vert="horz" wrap="square" lIns="91440" tIns="45720" rIns="91440" bIns="45720" numCol="1" anchor="t" anchorCtr="0" compatLnSpc="1">
-            <a:prstTxWarp prst="textNoShape">
-              <a:avLst/>
-            </a:prstTxWarp>
-          </a:bodyPr>
-          <a:lstStyle>
-            <a:lvl1pPr marL="342900" indent="-342900" algn="l" rtl="0" eaLnBrk="0" fontAlgn="base" hangingPunct="0">
-              <a:spcBef>
-                <a:spcPct val="20000"/>
-              </a:spcBef>
-              <a:spcAft>
-                <a:spcPct val="0"/>
-              </a:spcAft>
-              <a:buFont typeface="Arial" charset="0"/>
-              <a:buChar char="•"/>
-              <a:defRPr sz="3200" kern="1200">
-                <a:solidFill>
-                  <a:schemeClr val="tx1"/>
-                </a:solidFill>
-                <a:latin typeface="+mn-lt"/>
-                <a:ea typeface="+mn-ea"/>
-                <a:cs typeface="+mn-cs"/>
-              </a:defRPr>
-            </a:lvl1pPr>
-            <a:lvl2pPr marL="742950" indent="-285750" algn="l" rtl="0" eaLnBrk="0" fontAlgn="base" hangingPunct="0">
-              <a:spcBef>
-                <a:spcPct val="20000"/>
-              </a:spcBef>
-              <a:spcAft>
-                <a:spcPct val="0"/>
-              </a:spcAft>
-              <a:buFont typeface="Arial" charset="0"/>
-              <a:buChar char="–"/>
-              <a:defRPr sz="2800" kern="1200">
-                <a:solidFill>
-                  <a:schemeClr val="tx1"/>
-                </a:solidFill>
-                <a:latin typeface="+mn-lt"/>
-                <a:ea typeface="+mn-ea"/>
-                <a:cs typeface="+mn-cs"/>
-              </a:defRPr>
-            </a:lvl2pPr>
-            <a:lvl3pPr marL="1143000" indent="-228600" algn="l" rtl="0" eaLnBrk="0" fontAlgn="base" hangingPunct="0">
-              <a:spcBef>
-                <a:spcPct val="20000"/>
-              </a:spcBef>
-              <a:spcAft>
-                <a:spcPct val="0"/>
-              </a:spcAft>
-              <a:buFont typeface="Arial" charset="0"/>
-              <a:buChar char="•"/>
-              <a:defRPr sz="2400" kern="1200">
-                <a:solidFill>
-                  <a:schemeClr val="tx1"/>
-                </a:solidFill>
-                <a:latin typeface="+mn-lt"/>
-                <a:ea typeface="+mn-ea"/>
-                <a:cs typeface="+mn-cs"/>
-              </a:defRPr>
-            </a:lvl3pPr>
-            <a:lvl4pPr marL="1600200" indent="-228600" algn="l" rtl="0" eaLnBrk="0" fontAlgn="base" hangingPunct="0">
-              <a:spcBef>
-                <a:spcPct val="20000"/>
-              </a:spcBef>
-              <a:spcAft>
-                <a:spcPct val="0"/>
-              </a:spcAft>
-              <a:buFont typeface="Arial" charset="0"/>
-              <a:buChar char="–"/>
-              <a:defRPr sz="2000" kern="1200">
-                <a:solidFill>
-                  <a:schemeClr val="tx1"/>
-                </a:solidFill>
-                <a:latin typeface="+mn-lt"/>
-                <a:ea typeface="+mn-ea"/>
-                <a:cs typeface="+mn-cs"/>
-              </a:defRPr>
-            </a:lvl4pPr>
-            <a:lvl5pPr marL="2057400" indent="-228600" algn="l" rtl="0" eaLnBrk="0" fontAlgn="base" hangingPunct="0">
-              <a:spcBef>
-                <a:spcPct val="20000"/>
-              </a:spcBef>
-              <a:spcAft>
-                <a:spcPct val="0"/>
-              </a:spcAft>
-              <a:buFont typeface="Arial" charset="0"/>
-              <a:buChar char="»"/>
-              <a:defRPr sz="2000" kern="1200">
-                <a:solidFill>
-                  <a:schemeClr val="tx1"/>
-                </a:solidFill>
-                <a:latin typeface="+mn-lt"/>
-                <a:ea typeface="+mn-ea"/>
-                <a:cs typeface="+mn-cs"/>
-              </a:defRPr>
-            </a:lvl5pPr>
-            <a:lvl6pPr marL="2514600" indent="-228600" algn="l" defTabSz="914400" rtl="0" eaLnBrk="1" latinLnBrk="0" hangingPunct="1">
-              <a:spcBef>
-                <a:spcPct val="20000"/>
-              </a:spcBef>
-              <a:buFont typeface="Arial" pitchFamily="34" charset="0"/>
-              <a:buChar char="•"/>
-              <a:defRPr sz="2000" kern="1200">
-                <a:solidFill>
-                  <a:schemeClr val="tx1"/>
-                </a:solidFill>
-                <a:latin typeface="+mn-lt"/>
-                <a:ea typeface="+mn-ea"/>
-                <a:cs typeface="+mn-cs"/>
-              </a:defRPr>
-            </a:lvl6pPr>
-            <a:lvl7pPr marL="2971800" indent="-228600" algn="l" defTabSz="914400" rtl="0" eaLnBrk="1" latinLnBrk="0" hangingPunct="1">
-              <a:spcBef>
-                <a:spcPct val="20000"/>
-              </a:spcBef>
-              <a:buFont typeface="Arial" pitchFamily="34" charset="0"/>
-              <a:buChar char="•"/>
-              <a:defRPr sz="2000" kern="1200">
-                <a:solidFill>
-                  <a:schemeClr val="tx1"/>
-                </a:solidFill>
-                <a:latin typeface="+mn-lt"/>
-                <a:ea typeface="+mn-ea"/>
-                <a:cs typeface="+mn-cs"/>
-              </a:defRPr>
-            </a:lvl7pPr>
-            <a:lvl8pPr marL="3429000" indent="-228600" algn="l" defTabSz="914400" rtl="0" eaLnBrk="1" latinLnBrk="0" hangingPunct="1">
-              <a:spcBef>
-                <a:spcPct val="20000"/>
-              </a:spcBef>
-              <a:buFont typeface="Arial" pitchFamily="34" charset="0"/>
-              <a:buChar char="•"/>
-              <a:defRPr sz="2000" kern="1200">
-                <a:solidFill>
-                  <a:schemeClr val="tx1"/>
-                </a:solidFill>
-                <a:latin typeface="+mn-lt"/>
-                <a:ea typeface="+mn-ea"/>
-                <a:cs typeface="+mn-cs"/>
-              </a:defRPr>
-            </a:lvl8pPr>
-            <a:lvl9pPr marL="3886200" indent="-228600" algn="l" defTabSz="914400" rtl="0" eaLnBrk="1" latinLnBrk="0" hangingPunct="1">
-              <a:spcBef>
-                <a:spcPct val="20000"/>
-              </a:spcBef>
-              <a:buFont typeface="Arial" pitchFamily="34" charset="0"/>
-              <a:buChar char="•"/>
-              <a:defRPr sz="2000" kern="1200">
-                <a:solidFill>
-                  <a:schemeClr val="tx1"/>
-                </a:solidFill>
-                <a:latin typeface="+mn-lt"/>
-                <a:ea typeface="+mn-ea"/>
-                <a:cs typeface="+mn-cs"/>
-              </a:defRPr>
-            </a:lvl9pPr>
-          </a:lstStyle>
-          <a:p>
-            <a:pPr marL="0" lvl="0" indent="0">
-              <a:buClr>
-                <a:srgbClr val="0166B3"/>
-              </a:buClr>
-              <a:buNone/>
-              <a:defRPr/>
-            </a:pPr>
-            <a:endParaRPr lang="ru-RU" altLang="ru-RU" sz="1800" dirty="0">
-              <a:latin typeface="Arial Narrow" panose="020B0606020202030204" pitchFamily="34" charset="0"/>
-              <a:cs typeface="Arial" panose="020B0604020202020204" pitchFamily="34" charset="0"/>
-            </a:endParaRPr>
-          </a:p>
-          <a:p>
-            <a:pPr marL="0" lvl="0" indent="0">
-              <a:buClr>
-                <a:srgbClr val="0166B3"/>
-              </a:buClr>
-              <a:buNone/>
-              <a:defRPr/>
-            </a:pPr>
-            <a:endParaRPr lang="ru-RU" altLang="ru-RU" sz="1800" dirty="0">
-              <a:latin typeface="Arial Narrow" panose="020B0606020202030204" pitchFamily="34" charset="0"/>
-              <a:cs typeface="Arial" panose="020B0604020202020204" pitchFamily="34" charset="0"/>
-            </a:endParaRPr>
-          </a:p>
-          <a:p>
-            <a:pPr marL="285750" lvl="0" indent="-285750">
-              <a:buClr>
-                <a:srgbClr val="0166B3"/>
-              </a:buClr>
-              <a:buFont typeface="Arial" panose="020B0604020202020204" pitchFamily="34" charset="0"/>
-              <a:buChar char="•"/>
-              <a:defRPr/>
-            </a:pPr>
-            <a:r>
-              <a:rPr lang="ru-RU" altLang="ru-RU" sz="1800" dirty="0">
-                <a:latin typeface="Arial Narrow" panose="020B0606020202030204" pitchFamily="34" charset="0"/>
-                <a:cs typeface="Arial" panose="020B0604020202020204" pitchFamily="34" charset="0"/>
-              </a:rPr>
-              <a:t>Обоснование, расчёты, характеристики </a:t>
-            </a:r>
-            <a:br>
-              <a:rPr lang="ru-RU" altLang="ru-RU" sz="1800" dirty="0">
-                <a:latin typeface="Arial Narrow" panose="020B0606020202030204" pitchFamily="34" charset="0"/>
-                <a:cs typeface="Arial" panose="020B0604020202020204" pitchFamily="34" charset="0"/>
-              </a:rPr>
-            </a:br>
-            <a:r>
-              <a:rPr lang="ru-RU" altLang="ru-RU" sz="1800" dirty="0">
-                <a:latin typeface="Arial Narrow" panose="020B0606020202030204" pitchFamily="34" charset="0"/>
-                <a:cs typeface="Arial" panose="020B0604020202020204" pitchFamily="34" charset="0"/>
-              </a:rPr>
-              <a:t>и показатели предлагаемого варианта.</a:t>
-            </a:r>
-          </a:p>
-          <a:p>
-            <a:pPr marL="0" lvl="0" indent="0">
-              <a:buClr>
-                <a:srgbClr val="0166B3"/>
-              </a:buClr>
-              <a:buNone/>
-              <a:defRPr/>
-            </a:pPr>
-            <a:endParaRPr lang="ru-RU" altLang="ru-RU" sz="1800" dirty="0">
-              <a:latin typeface="Arial Narrow" panose="020B0606020202030204" pitchFamily="34" charset="0"/>
-              <a:cs typeface="Arial" panose="020B0604020202020204" pitchFamily="34" charset="0"/>
-            </a:endParaRPr>
-          </a:p>
-        </p:txBody>
-      </p:sp>
-      <p:sp>
-        <p:nvSpPr>
           <p:cNvPr id="8" name="Заголовок 1"/>
           <p:cNvSpPr>
             <a:spLocks noGrp="1"/>
@@ -24623,7 +22860,7 @@
                 <a:latin typeface="Arial Narrow" panose="020B0606020202030204" pitchFamily="34" charset="0"/>
                 <a:cs typeface="Arial" panose="020B0604020202020204" pitchFamily="34" charset="0"/>
               </a:rPr>
-              <a:t>Решение</a:t>
+              <a:t>Итоги и результаты внедрения</a:t>
             </a:r>
           </a:p>
         </p:txBody>
@@ -24677,6 +22914,45 @@
       </p:pic>
       <p:sp>
         <p:nvSpPr>
+          <p:cNvPr id="3" name="Прямоугольник 2"/>
+          <p:cNvSpPr/>
+          <p:nvPr/>
+        </p:nvSpPr>
+        <p:spPr>
+          <a:xfrm>
+            <a:off x="4434296" y="1764752"/>
+            <a:ext cx="4572000" cy="923330"/>
+          </a:xfrm>
+          <a:prstGeom prst="rect">
+            <a:avLst/>
+          </a:prstGeom>
+        </p:spPr>
+        <p:txBody>
+          <a:bodyPr>
+            <a:spAutoFit/>
+          </a:bodyPr>
+          <a:lstStyle/>
+          <a:p>
+            <a:pPr marL="285750" indent="-285750">
+              <a:buClr>
+                <a:srgbClr val="0166B3"/>
+              </a:buClr>
+              <a:buFont typeface="Arial" panose="020B0604020202020204" pitchFamily="34" charset="0"/>
+              <a:buChar char="•"/>
+              <a:defRPr/>
+            </a:pPr>
+            <a:r>
+              <a:rPr lang="ru-RU" altLang="ru-RU" dirty="0">
+                <a:latin typeface="Arial Narrow" panose="020B0606020202030204" pitchFamily="34" charset="0"/>
+                <a:cs typeface="Arial" panose="020B0604020202020204" pitchFamily="34" charset="0"/>
+              </a:rPr>
+              <a:t>Оценка перечня социальных, экономических, экологических последствий от внедрения в проект новой технологии.</a:t>
+            </a:r>
+          </a:p>
+        </p:txBody>
+      </p:sp>
+      <p:sp>
+        <p:nvSpPr>
           <p:cNvPr id="13" name="Объект 2">
             <a:extLst>
               <a:ext uri="{FF2B5EF4-FFF2-40B4-BE49-F238E27FC236}">
@@ -24895,7 +23171,7 @@
                 <a:latin typeface="Arial Narrow" panose="020B0606020202030204" pitchFamily="34" charset="0"/>
                 <a:cs typeface="Arial" panose="020B0604020202020204" pitchFamily="34" charset="0"/>
               </a:rPr>
-              <a:t>рекомендуется</a:t>
+              <a:t>рекомендуется </a:t>
             </a:r>
             <a:r>
               <a:rPr lang="ru-RU" altLang="ru-RU" sz="2800" spc="20" dirty="0">
@@ -24905,7 +23181,7 @@
                 <a:latin typeface="Arial Narrow" panose="020B0606020202030204" pitchFamily="34" charset="0"/>
                 <a:cs typeface="Arial" panose="020B0604020202020204" pitchFamily="34" charset="0"/>
               </a:rPr>
-              <a:t> презентовать:</a:t>
+              <a:t>презентовать:</a:t>
             </a:r>
           </a:p>
         </p:txBody>
@@ -24913,7 +23189,7 @@
     </p:spTree>
     <p:extLst>
       <p:ext uri="{BB962C8B-B14F-4D97-AF65-F5344CB8AC3E}">
-        <p14:creationId xmlns:p14="http://schemas.microsoft.com/office/powerpoint/2010/main" val="3033615964"/>
+        <p14:creationId xmlns:p14="http://schemas.microsoft.com/office/powerpoint/2010/main" val="1316098584"/>
       </p:ext>
     </p:extLst>
   </p:cSld>
@@ -25337,7 +23613,7 @@
     </p:spTree>
     <p:extLst>
       <p:ext uri="{BB962C8B-B14F-4D97-AF65-F5344CB8AC3E}">
-        <p14:creationId xmlns:p14="http://schemas.microsoft.com/office/powerpoint/2010/main" val="1316098584"/>
+        <p14:creationId xmlns:p14="http://schemas.microsoft.com/office/powerpoint/2010/main" val="1992279045"/>
       </p:ext>
     </p:extLst>
   </p:cSld>
